--- a/File Encoding Lab Webinar.pptx
+++ b/File Encoding Lab Webinar.pptx
@@ -3175,7 +3175,7 @@
             </a:pPr>
             <a:r>
               <a:rPr lang="fr-CA" sz="1800" b="1" dirty="0" smtClean="0"/>
-              <a:t>Jean Lalonde (The </a:t>
+              <a:t>The </a:t>
             </a:r>
             <a:r>
               <a:rPr lang="fr-CA" sz="1800" b="1" dirty="0" err="1" smtClean="0"/>
@@ -3199,58 +3199,38 @@
             </a:r>
             <a:r>
               <a:rPr lang="fr-CA" sz="1800" b="1" dirty="0" smtClean="0"/>
-              <a:t> 20th, 2018)</a:t>
-            </a:r>
-          </a:p>
-          <a:p>
-            <a:pPr marL="0" indent="0">
-              <a:buNone/>
-            </a:pPr>
-            <a:endParaRPr lang="fr-CA" sz="1800" b="1" dirty="0"/>
-          </a:p>
-          <a:p>
-            <a:pPr marL="0" indent="0">
-              <a:buNone/>
-            </a:pPr>
+              <a:t> 20th, </a:t>
+            </a:r>
             <a:r>
               <a:rPr lang="fr-CA" sz="1800" b="1" dirty="0" smtClean="0"/>
-              <a:t>File </a:t>
-            </a:r>
-            <a:r>
-              <a:rPr lang="fr-CA" sz="1800" b="1" dirty="0" err="1" smtClean="0"/>
-              <a:t>Encoding</a:t>
-            </a:r>
-            <a:r>
+              <a:t>2018</a:t>
+            </a:r>
+            <a:br>
               <a:rPr lang="fr-CA" sz="1800" b="1" dirty="0" smtClean="0"/>
-              <a:t> </a:t>
-            </a:r>
-            <a:r>
-              <a:rPr lang="fr-CA" sz="1800" b="1" dirty="0" err="1" smtClean="0"/>
-              <a:t>Lab</a:t>
-            </a:r>
-            <a:r>
-              <a:rPr lang="fr-CA" sz="1800" b="1" dirty="0" smtClean="0"/>
-              <a:t> </a:t>
-            </a:r>
-            <a:r>
-              <a:rPr lang="fr-CA" sz="1800" b="1" dirty="0" err="1" smtClean="0"/>
-              <a:t>repository</a:t>
-            </a:r>
-            <a:r>
-              <a:rPr lang="fr-CA" sz="1800" dirty="0"/>
-              <a:t>: </a:t>
+            </a:br>
+            <a:r>
+              <a:rPr lang="fr-CA" sz="1800" dirty="0" smtClean="0">
+                <a:hlinkClick r:id="rId2"/>
+              </a:rPr>
+              <a:t>http</a:t>
             </a:r>
             <a:r>
               <a:rPr lang="fr-CA" sz="1800" dirty="0">
                 <a:hlinkClick r:id="rId2"/>
               </a:rPr>
-              <a:t>https://</a:t>
+              <a:t>://</a:t>
             </a:r>
             <a:r>
               <a:rPr lang="fr-CA" sz="1800" dirty="0" smtClean="0">
                 <a:hlinkClick r:id="rId2"/>
               </a:rPr>
-              <a:t>github.com/JnLlnd/FileEncodingLab</a:t>
+              <a:t>the-automator.com/webinars</a:t>
+            </a:r>
+            <a:r>
+              <a:rPr lang="fr-CA" sz="1800" dirty="0">
+                <a:hlinkClick r:id="rId2"/>
+              </a:rPr>
+              <a:t>/</a:t>
             </a:r>
             <a:endParaRPr lang="fr-CA" sz="1800" dirty="0" smtClean="0"/>
           </a:p>
@@ -3265,10 +3245,134 @@
               <a:buNone/>
             </a:pPr>
             <a:r>
-              <a:rPr lang="fr-CA" sz="1800" b="1" smtClean="0"/>
-              <a:t>ZIP file: </a:t>
+              <a:rPr lang="fr-CA" sz="1800" b="1" dirty="0" smtClean="0"/>
+              <a:t>File </a:t>
+            </a:r>
+            <a:r>
+              <a:rPr lang="fr-CA" sz="1800" b="1" dirty="0" err="1" smtClean="0"/>
+              <a:t>Encoding</a:t>
+            </a:r>
+            <a:r>
+              <a:rPr lang="fr-CA" sz="1800" b="1" dirty="0" smtClean="0"/>
+              <a:t> </a:t>
+            </a:r>
+            <a:r>
+              <a:rPr lang="fr-CA" sz="1800" b="1" dirty="0" err="1" smtClean="0"/>
+              <a:t>Lab</a:t>
             </a:r>
             <a:endParaRPr lang="fr-CA" sz="1800" b="1" dirty="0" smtClean="0"/>
+          </a:p>
+          <a:p>
+            <a:pPr marL="0" indent="0">
+              <a:buNone/>
+            </a:pPr>
+            <a:r>
+              <a:rPr lang="fr-CA" sz="1800" dirty="0" smtClean="0"/>
+              <a:t>By </a:t>
+            </a:r>
+            <a:r>
+              <a:rPr lang="fr-CA" sz="1800" dirty="0" smtClean="0"/>
+              <a:t>Jean Lalonde</a:t>
+            </a:r>
+            <a:r>
+              <a:rPr lang="fr-CA" sz="1800" dirty="0"/>
+              <a:t/>
+            </a:r>
+            <a:br>
+              <a:rPr lang="fr-CA" sz="1800" dirty="0"/>
+            </a:br>
+            <a:r>
+              <a:rPr lang="fr-CA" sz="1800" dirty="0" smtClean="0">
+                <a:hlinkClick r:id="rId3"/>
+              </a:rPr>
+              <a:t>http://code.jeanlalonde.ca</a:t>
+            </a:r>
+            <a:endParaRPr lang="fr-CA" sz="1800" dirty="0" smtClean="0"/>
+          </a:p>
+          <a:p>
+            <a:pPr marL="0" indent="0">
+              <a:buNone/>
+            </a:pPr>
+            <a:endParaRPr lang="fr-CA" sz="1800" dirty="0" smtClean="0"/>
+          </a:p>
+          <a:p>
+            <a:pPr marL="0" indent="0">
+              <a:buNone/>
+            </a:pPr>
+            <a:r>
+              <a:rPr lang="fr-CA" sz="1800" dirty="0" err="1" smtClean="0"/>
+              <a:t>Repository</a:t>
+            </a:r>
+            <a:endParaRPr lang="fr-CA" sz="1800" dirty="0" smtClean="0"/>
+          </a:p>
+          <a:p>
+            <a:pPr marL="0" indent="0">
+              <a:buNone/>
+            </a:pPr>
+            <a:r>
+              <a:rPr lang="fr-CA" sz="1800" dirty="0" smtClean="0">
+                <a:hlinkClick r:id="rId4"/>
+              </a:rPr>
+              <a:t>https</a:t>
+            </a:r>
+            <a:r>
+              <a:rPr lang="fr-CA" sz="1800" dirty="0">
+                <a:hlinkClick r:id="rId4"/>
+              </a:rPr>
+              <a:t>://</a:t>
+            </a:r>
+            <a:r>
+              <a:rPr lang="fr-CA" sz="1800" dirty="0" smtClean="0">
+                <a:hlinkClick r:id="rId4"/>
+              </a:rPr>
+              <a:t>github.com/JnLlnd/FileEncodingLab</a:t>
+            </a:r>
+            <a:endParaRPr lang="fr-CA" sz="1800" dirty="0" smtClean="0"/>
+          </a:p>
+          <a:p>
+            <a:pPr marL="0" indent="0">
+              <a:buNone/>
+            </a:pPr>
+            <a:endParaRPr lang="fr-CA" sz="1800" dirty="0" smtClean="0"/>
+          </a:p>
+          <a:p>
+            <a:pPr marL="0" indent="0">
+              <a:buNone/>
+            </a:pPr>
+            <a:r>
+              <a:rPr lang="fr-CA" sz="1800" dirty="0" smtClean="0"/>
+              <a:t>ZIP file</a:t>
+            </a:r>
+          </a:p>
+          <a:p>
+            <a:pPr marL="0" indent="0">
+              <a:buNone/>
+            </a:pPr>
+            <a:r>
+              <a:rPr lang="fr-CA" sz="1800" dirty="0" smtClean="0">
+                <a:hlinkClick r:id="rId5"/>
+              </a:rPr>
+              <a:t>https</a:t>
+            </a:r>
+            <a:r>
+              <a:rPr lang="fr-CA" sz="1800" dirty="0">
+                <a:hlinkClick r:id="rId5"/>
+              </a:rPr>
+              <a:t>://</a:t>
+            </a:r>
+            <a:r>
+              <a:rPr lang="fr-CA" sz="1800" dirty="0" smtClean="0">
+                <a:hlinkClick r:id="rId5"/>
+              </a:rPr>
+              <a:t>github.com/JnLlnd/FileEncodingLab/raw/master/FileEncodingLab.zip</a:t>
+            </a:r>
+            <a:endParaRPr lang="fr-CA" sz="1800" dirty="0" smtClean="0"/>
+          </a:p>
+          <a:p>
+            <a:pPr marL="0" indent="0">
+              <a:buNone/>
+            </a:pPr>
+            <a:endParaRPr lang="fr-CA" sz="1800" dirty="0" smtClean="0"/>
           </a:p>
         </p:txBody>
       </p:sp>
@@ -4286,9 +4390,10 @@
               <a:buNone/>
             </a:pPr>
             <a:r>
-              <a:rPr lang="en-US" sz="1800" b="1" dirty="0" smtClean="0"/>
-              <a:t>Questions</a:t>
-            </a:r>
+              <a:rPr lang="en-US" sz="1800" b="1" smtClean="0"/>
+              <a:t>Questions?</a:t>
+            </a:r>
+            <a:endParaRPr lang="en-US" sz="1800" b="1" dirty="0" smtClean="0"/>
           </a:p>
           <a:p>
             <a:pPr marL="274638" indent="-249238"/>
